--- a/Modelica_Flaschenzugmodell_Präsentation_Gruppe_2.pptx
+++ b/Modelica_Flaschenzugmodell_Präsentation_Gruppe_2.pptx
@@ -510,7 +510,7 @@
           <a:bodyPr/>
           <a:lstStyle/>
           <a:p>
-            <a:endParaRPr lang="en-US"/>
+            <a:endParaRPr lang="en-US" dirty="0"/>
           </a:p>
         </p:txBody>
       </p:sp>
@@ -3934,39 +3934,6 @@
       </p:grpSpPr>
       <p:sp>
         <p:nvSpPr>
-          <p:cNvPr id="6" name="Footer Placeholder 5"/>
-          <p:cNvSpPr>
-            <a:spLocks noGrp="1"/>
-          </p:cNvSpPr>
-          <p:nvPr>
-            <p:ph type="ftr" sz="quarter" idx="11"/>
-          </p:nvPr>
-        </p:nvSpPr>
-        <p:spPr>
-          <a:xfrm>
-            <a:off x="4038599" y="6486974"/>
-            <a:ext cx="4280807" cy="365125"/>
-          </a:xfrm>
-        </p:spPr>
-        <p:txBody>
-          <a:bodyPr/>
-          <a:lstStyle/>
-          <a:p>
-            <a:r>
-              <a:rPr lang="en-US" dirty="0">
-                <a:solidFill>
-                  <a:srgbClr val="B9B9B9"/>
-                </a:solidFill>
-                <a:latin typeface="Arial" panose="020B0604020202020204" pitchFamily="34" charset="0"/>
-                <a:cs typeface="Arial" panose="020B0604020202020204" pitchFamily="34" charset="0"/>
-              </a:rPr>
-              <a:t>Daniel Dittler, Lukas Mönch, Sebastian Bauer, Timo Schaaf</a:t>
-            </a:r>
-          </a:p>
-        </p:txBody>
-      </p:sp>
-      <p:sp>
-        <p:nvSpPr>
           <p:cNvPr id="7" name="Slide Number Placeholder 6"/>
           <p:cNvSpPr>
             <a:spLocks noGrp="1"/>
@@ -4017,7 +3984,7 @@
         </p:nvSpPr>
         <p:spPr>
           <a:xfrm>
-            <a:off x="0" y="307852"/>
+            <a:off x="0" y="171515"/>
             <a:ext cx="12192000" cy="647026"/>
           </a:xfrm>
           <a:solidFill>
@@ -4035,6 +4002,9 @@
           <a:p>
             <a:r>
               <a:rPr lang="de-DE" sz="3200" b="1" dirty="0">
+                <a:solidFill>
+                  <a:schemeClr val="bg1"/>
+                </a:solidFill>
                 <a:latin typeface="Arial" panose="020B0604020202020204" pitchFamily="34" charset="0"/>
                 <a:cs typeface="Arial" panose="020B0604020202020204" pitchFamily="34" charset="0"/>
               </a:rPr>
@@ -4057,7 +4027,7 @@
         </p:nvSpPr>
         <p:spPr>
           <a:xfrm>
-            <a:off x="1947137" y="6288538"/>
+            <a:off x="1860755" y="6111766"/>
             <a:ext cx="8470490" cy="276999"/>
           </a:xfrm>
           <a:prstGeom prst="rect">
@@ -4074,6 +4044,11 @@
             <a:pPr algn="ctr"/>
             <a:r>
               <a:rPr lang="de-DE" sz="1200" dirty="0">
+                <a:solidFill>
+                  <a:schemeClr val="bg1">
+                    <a:lumMod val="50000"/>
+                  </a:schemeClr>
+                </a:solidFill>
                 <a:latin typeface="Arial" panose="020B0604020202020204" pitchFamily="34" charset="0"/>
                 <a:cs typeface="Arial" panose="020B0604020202020204" pitchFamily="34" charset="0"/>
               </a:rPr>
@@ -4081,6 +4056,11 @@
             </a:r>
             <a:r>
               <a:rPr lang="de-DE" sz="1200" dirty="0">
+                <a:solidFill>
+                  <a:schemeClr val="bg1">
+                    <a:lumMod val="50000"/>
+                  </a:schemeClr>
+                </a:solidFill>
                 <a:latin typeface="Arial" panose="020B0604020202020204" pitchFamily="34" charset="0"/>
                 <a:cs typeface="Arial" panose="020B0604020202020204" pitchFamily="34" charset="0"/>
                 <a:hlinkClick r:id="rId3">
@@ -4095,6 +4075,11 @@
             </a:r>
             <a:r>
               <a:rPr lang="de-DE" sz="1200" dirty="0">
+                <a:solidFill>
+                  <a:schemeClr val="bg1">
+                    <a:lumMod val="50000"/>
+                  </a:schemeClr>
+                </a:solidFill>
                 <a:latin typeface="Arial" panose="020B0604020202020204" pitchFamily="34" charset="0"/>
                 <a:cs typeface="Arial" panose="020B0604020202020204" pitchFamily="34" charset="0"/>
               </a:rPr>
@@ -5398,7 +5383,7 @@
         </p:nvSpPr>
         <p:spPr>
           <a:xfrm>
-            <a:off x="390776" y="5804802"/>
+            <a:off x="190795" y="5730875"/>
             <a:ext cx="11479437" cy="647026"/>
           </a:xfrm>
           <a:prstGeom prst="rect">
@@ -5415,6 +5400,12 @@
             <a:pPr algn="ctr"/>
             <a:r>
               <a:rPr lang="de-DE" b="1" dirty="0">
+                <a:solidFill>
+                  <a:schemeClr val="tx1">
+                    <a:lumMod val="85000"/>
+                    <a:lumOff val="15000"/>
+                  </a:schemeClr>
+                </a:solidFill>
                 <a:latin typeface="Arial" panose="020B0604020202020204" pitchFamily="34" charset="0"/>
                 <a:cs typeface="Arial" panose="020B0604020202020204" pitchFamily="34" charset="0"/>
               </a:rPr>
@@ -5512,10 +5503,10 @@
       </p:sp>
       <p:sp>
         <p:nvSpPr>
-          <p:cNvPr id="30" name="Footer Placeholder 5">
+          <p:cNvPr id="26" name="Footer Placeholder 5">
             <a:extLst>
               <a:ext uri="{FF2B5EF4-FFF2-40B4-BE49-F238E27FC236}">
-                <a16:creationId xmlns:a16="http://schemas.microsoft.com/office/drawing/2014/main" id="{6430679B-48A3-4804-B82D-48AAB649D974}"/>
+                <a16:creationId xmlns:a16="http://schemas.microsoft.com/office/drawing/2014/main" id="{A35C4386-304C-46DF-ABBC-0D7A727C1245}"/>
               </a:ext>
             </a:extLst>
           </p:cNvPr>
@@ -5526,8 +5517,8 @@
         </p:nvSpPr>
         <p:spPr>
           <a:xfrm>
-            <a:off x="0" y="-7509"/>
-            <a:ext cx="12192000" cy="306223"/>
+            <a:off x="-1160128" y="6517317"/>
+            <a:ext cx="9940217" cy="227698"/>
           </a:xfrm>
           <a:prstGeom prst="rect">
             <a:avLst/>
@@ -5633,65 +5624,36 @@
             </a:lvl9pPr>
           </a:lstStyle>
           <a:p>
+            <a:pPr algn="r"/>
             <a:r>
-              <a:rPr lang="en-US" b="1" dirty="0" err="1">
+              <a:rPr lang="en-US" dirty="0">
                 <a:solidFill>
                   <a:srgbClr val="B9B9B9"/>
                 </a:solidFill>
                 <a:latin typeface="Arial" panose="020B0604020202020204" pitchFamily="34" charset="0"/>
                 <a:cs typeface="Arial" panose="020B0604020202020204" pitchFamily="34" charset="0"/>
               </a:rPr>
-              <a:t>Modelica</a:t>
+              <a:t>19.12.2019 	           			Gruppe 2: Daniel </a:t>
             </a:r>
             <a:r>
-              <a:rPr lang="en-US" b="1" dirty="0">
+              <a:rPr lang="en-US" dirty="0" err="1">
                 <a:solidFill>
                   <a:srgbClr val="B9B9B9"/>
                 </a:solidFill>
                 <a:latin typeface="Arial" panose="020B0604020202020204" pitchFamily="34" charset="0"/>
                 <a:cs typeface="Arial" panose="020B0604020202020204" pitchFamily="34" charset="0"/>
               </a:rPr>
-              <a:t> </a:t>
+              <a:t>Dittler</a:t>
             </a:r>
             <a:r>
-              <a:rPr lang="en-US" b="1" dirty="0" err="1">
+              <a:rPr lang="en-US" dirty="0">
                 <a:solidFill>
                   <a:srgbClr val="B9B9B9"/>
                 </a:solidFill>
                 <a:latin typeface="Arial" panose="020B0604020202020204" pitchFamily="34" charset="0"/>
                 <a:cs typeface="Arial" panose="020B0604020202020204" pitchFamily="34" charset="0"/>
               </a:rPr>
-              <a:t>Projekt</a:t>
-            </a:r>
-            <a:r>
-              <a:rPr lang="en-US" b="1" dirty="0">
-                <a:solidFill>
-                  <a:srgbClr val="B9B9B9"/>
-                </a:solidFill>
-                <a:latin typeface="Arial" panose="020B0604020202020204" pitchFamily="34" charset="0"/>
-                <a:cs typeface="Arial" panose="020B0604020202020204" pitchFamily="34" charset="0"/>
-              </a:rPr>
-              <a:t> WS 19/20				Gruppe 2					19. </a:t>
-            </a:r>
-            <a:r>
-              <a:rPr lang="en-US" b="1" dirty="0" err="1">
-                <a:solidFill>
-                  <a:srgbClr val="B9B9B9"/>
-                </a:solidFill>
-                <a:latin typeface="Arial" panose="020B0604020202020204" pitchFamily="34" charset="0"/>
-                <a:cs typeface="Arial" panose="020B0604020202020204" pitchFamily="34" charset="0"/>
-              </a:rPr>
-              <a:t>Dezember</a:t>
-            </a:r>
-            <a:r>
-              <a:rPr lang="en-US" b="1" dirty="0">
-                <a:solidFill>
-                  <a:srgbClr val="B9B9B9"/>
-                </a:solidFill>
-                <a:latin typeface="Arial" panose="020B0604020202020204" pitchFamily="34" charset="0"/>
-                <a:cs typeface="Arial" panose="020B0604020202020204" pitchFamily="34" charset="0"/>
-              </a:rPr>
-              <a:t> 2019</a:t>
+              <a:t>, Lukas Mönch, Sebastian Bauer, Timo Schaaf</a:t>
             </a:r>
           </a:p>
         </p:txBody>
@@ -5726,39 +5688,6 @@
           <a:chExt cx="0" cy="0"/>
         </a:xfrm>
       </p:grpSpPr>
-      <p:sp>
-        <p:nvSpPr>
-          <p:cNvPr id="6" name="Footer Placeholder 5"/>
-          <p:cNvSpPr>
-            <a:spLocks noGrp="1"/>
-          </p:cNvSpPr>
-          <p:nvPr>
-            <p:ph type="ftr" sz="quarter" idx="11"/>
-          </p:nvPr>
-        </p:nvSpPr>
-        <p:spPr>
-          <a:xfrm>
-            <a:off x="3898446" y="6481081"/>
-            <a:ext cx="4395107" cy="365125"/>
-          </a:xfrm>
-        </p:spPr>
-        <p:txBody>
-          <a:bodyPr/>
-          <a:lstStyle/>
-          <a:p>
-            <a:r>
-              <a:rPr lang="en-US" dirty="0">
-                <a:solidFill>
-                  <a:srgbClr val="B9B9B9"/>
-                </a:solidFill>
-                <a:latin typeface="Arial" panose="020B0604020202020204" pitchFamily="34" charset="0"/>
-                <a:cs typeface="Arial" panose="020B0604020202020204" pitchFamily="34" charset="0"/>
-              </a:rPr>
-              <a:t>Daniel Dittler, Lukas Mönch, Sebastian Bauer, Timo Schaaf</a:t>
-            </a:r>
-          </a:p>
-        </p:txBody>
-      </p:sp>
       <p:sp>
         <p:nvSpPr>
           <p:cNvPr id="7" name="Slide Number Placeholder 6"/>
@@ -7836,10 +7765,10 @@
       </p:graphicFrame>
       <p:sp>
         <p:nvSpPr>
-          <p:cNvPr id="9" name="Titel 9">
+          <p:cNvPr id="8" name="Footer Placeholder 5">
             <a:extLst>
               <a:ext uri="{FF2B5EF4-FFF2-40B4-BE49-F238E27FC236}">
-                <a16:creationId xmlns:a16="http://schemas.microsoft.com/office/drawing/2014/main" id="{8BC5FA4A-2331-40FE-8B7E-3645AA8EE704}"/>
+                <a16:creationId xmlns:a16="http://schemas.microsoft.com/office/drawing/2014/main" id="{058E29E1-7C70-4FEC-985F-FB67C19CA977}"/>
               </a:ext>
             </a:extLst>
           </p:cNvPr>
@@ -7850,71 +7779,8 @@
         </p:nvSpPr>
         <p:spPr>
           <a:xfrm>
-            <a:off x="0" y="316016"/>
-            <a:ext cx="12192000" cy="647026"/>
-          </a:xfrm>
-          <a:prstGeom prst="rect">
-            <a:avLst/>
-          </a:prstGeom>
-          <a:solidFill>
-            <a:srgbClr val="FDC300"/>
-          </a:solidFill>
-          <a:ln>
-            <a:noFill/>
-          </a:ln>
-        </p:spPr>
-        <p:txBody>
-          <a:bodyPr vert="horz" lIns="91440" tIns="45720" rIns="91440" bIns="45720" rtlCol="0" anchor="ctr">
-            <a:normAutofit/>
-          </a:bodyPr>
-          <a:lstStyle>
-            <a:lvl1pPr algn="ctr" defTabSz="914400" rtl="0" eaLnBrk="1" latinLnBrk="0" hangingPunct="1">
-              <a:lnSpc>
-                <a:spcPct val="90000"/>
-              </a:lnSpc>
-              <a:spcBef>
-                <a:spcPct val="0"/>
-              </a:spcBef>
-              <a:buNone/>
-              <a:defRPr sz="6000" kern="1200">
-                <a:solidFill>
-                  <a:schemeClr val="tx1"/>
-                </a:solidFill>
-                <a:latin typeface="+mj-lt"/>
-                <a:ea typeface="+mj-ea"/>
-                <a:cs typeface="+mj-cs"/>
-              </a:defRPr>
-            </a:lvl1pPr>
-          </a:lstStyle>
-          <a:p>
-            <a:r>
-              <a:rPr lang="de-DE" sz="3200" b="1" dirty="0">
-                <a:latin typeface="Arial" panose="020B0604020202020204" pitchFamily="34" charset="0"/>
-                <a:cs typeface="Arial" panose="020B0604020202020204" pitchFamily="34" charset="0"/>
-              </a:rPr>
-              <a:t>Übersicht Hauptkomponenten</a:t>
-            </a:r>
-          </a:p>
-        </p:txBody>
-      </p:sp>
-      <p:sp>
-        <p:nvSpPr>
-          <p:cNvPr id="11" name="Footer Placeholder 5">
-            <a:extLst>
-              <a:ext uri="{FF2B5EF4-FFF2-40B4-BE49-F238E27FC236}">
-                <a16:creationId xmlns:a16="http://schemas.microsoft.com/office/drawing/2014/main" id="{AB7B8D0F-A7F9-44F2-B9C1-F24199693E04}"/>
-              </a:ext>
-            </a:extLst>
-          </p:cNvPr>
-          <p:cNvSpPr txBox="1">
-            <a:spLocks/>
-          </p:cNvSpPr>
-          <p:nvPr/>
-        </p:nvSpPr>
-        <p:spPr>
-          <a:xfrm>
-            <a:off x="0" y="-7509"/>
-            <a:ext cx="12192000" cy="306223"/>
+            <a:off x="-1160128" y="6517317"/>
+            <a:ext cx="9940217" cy="227698"/>
           </a:xfrm>
           <a:prstGeom prst="rect">
             <a:avLst/>
@@ -8020,65 +7886,83 @@
             </a:lvl9pPr>
           </a:lstStyle>
           <a:p>
+            <a:pPr algn="r"/>
             <a:r>
-              <a:rPr lang="en-US" b="1" dirty="0" err="1">
+              <a:rPr lang="en-US" dirty="0">
                 <a:solidFill>
                   <a:srgbClr val="B9B9B9"/>
                 </a:solidFill>
                 <a:latin typeface="Arial" panose="020B0604020202020204" pitchFamily="34" charset="0"/>
                 <a:cs typeface="Arial" panose="020B0604020202020204" pitchFamily="34" charset="0"/>
               </a:rPr>
-              <a:t>Modelica</a:t>
+              <a:t>19.12.2019 	           			Gruppe 2: Daniel </a:t>
             </a:r>
             <a:r>
-              <a:rPr lang="en-US" b="1" dirty="0">
+              <a:rPr lang="en-US" dirty="0" err="1">
                 <a:solidFill>
                   <a:srgbClr val="B9B9B9"/>
                 </a:solidFill>
                 <a:latin typeface="Arial" panose="020B0604020202020204" pitchFamily="34" charset="0"/>
                 <a:cs typeface="Arial" panose="020B0604020202020204" pitchFamily="34" charset="0"/>
               </a:rPr>
-              <a:t> </a:t>
+              <a:t>Dittler</a:t>
             </a:r>
             <a:r>
-              <a:rPr lang="en-US" b="1" dirty="0" err="1">
+              <a:rPr lang="en-US" dirty="0">
                 <a:solidFill>
                   <a:srgbClr val="B9B9B9"/>
                 </a:solidFill>
                 <a:latin typeface="Arial" panose="020B0604020202020204" pitchFamily="34" charset="0"/>
                 <a:cs typeface="Arial" panose="020B0604020202020204" pitchFamily="34" charset="0"/>
               </a:rPr>
-              <a:t>Projekt</a:t>
+              <a:t>, Lukas Mönch, Sebastian Bauer, Timo Schaaf</a:t>
             </a:r>
+          </a:p>
+        </p:txBody>
+      </p:sp>
+      <p:sp>
+        <p:nvSpPr>
+          <p:cNvPr id="10" name="Titel 9">
+            <a:extLst>
+              <a:ext uri="{FF2B5EF4-FFF2-40B4-BE49-F238E27FC236}">
+                <a16:creationId xmlns:a16="http://schemas.microsoft.com/office/drawing/2014/main" id="{976CB312-7AEF-4625-BB35-618D0997A188}"/>
+              </a:ext>
+            </a:extLst>
+          </p:cNvPr>
+          <p:cNvSpPr>
+            <a:spLocks noGrp="1"/>
+          </p:cNvSpPr>
+          <p:nvPr>
+            <p:ph type="ctrTitle"/>
+          </p:nvPr>
+        </p:nvSpPr>
+        <p:spPr>
+          <a:xfrm>
+            <a:off x="0" y="171515"/>
+            <a:ext cx="12192000" cy="647026"/>
+          </a:xfrm>
+          <a:solidFill>
+            <a:srgbClr val="FDC300"/>
+          </a:solidFill>
+          <a:ln>
+            <a:noFill/>
+          </a:ln>
+        </p:spPr>
+        <p:txBody>
+          <a:bodyPr anchor="ctr">
+            <a:normAutofit/>
+          </a:bodyPr>
+          <a:lstStyle/>
+          <a:p>
             <a:r>
-              <a:rPr lang="en-US" b="1" dirty="0">
+              <a:rPr lang="de-DE" sz="3200" b="1" dirty="0">
                 <a:solidFill>
-                  <a:srgbClr val="B9B9B9"/>
+                  <a:schemeClr val="bg1"/>
                 </a:solidFill>
                 <a:latin typeface="Arial" panose="020B0604020202020204" pitchFamily="34" charset="0"/>
                 <a:cs typeface="Arial" panose="020B0604020202020204" pitchFamily="34" charset="0"/>
               </a:rPr>
-              <a:t> WS 19/20				Gruppe 2					19. </a:t>
-            </a:r>
-            <a:r>
-              <a:rPr lang="en-US" b="1" dirty="0" err="1">
-                <a:solidFill>
-                  <a:srgbClr val="B9B9B9"/>
-                </a:solidFill>
-                <a:latin typeface="Arial" panose="020B0604020202020204" pitchFamily="34" charset="0"/>
-                <a:cs typeface="Arial" panose="020B0604020202020204" pitchFamily="34" charset="0"/>
-              </a:rPr>
-              <a:t>Dezember</a:t>
-            </a:r>
-            <a:r>
-              <a:rPr lang="en-US" b="1" dirty="0">
-                <a:solidFill>
-                  <a:srgbClr val="B9B9B9"/>
-                </a:solidFill>
-                <a:latin typeface="Arial" panose="020B0604020202020204" pitchFamily="34" charset="0"/>
-                <a:cs typeface="Arial" panose="020B0604020202020204" pitchFamily="34" charset="0"/>
-              </a:rPr>
-              <a:t> 2019</a:t>
+              <a:t>Übersicht Hauptkomponenten</a:t>
             </a:r>
           </a:p>
         </p:txBody>
